--- a/Intro to Software Engineering CSC 212-90/Poster/tutorPosterBig.pptx
+++ b/Intro to Software Engineering CSC 212-90/Poster/tutorPosterBig.pptx
@@ -263,7 +263,7 @@
           <a:p>
             <a:fld id="{A61186C1-2136-4F5C-81C5-7E7D5B4818E4}" type="datetimeFigureOut">
               <a:rPr lang="en-US" smtClean="0"/>
-              <a:t>3/20/2025</a:t>
+              <a:t>3/21/2025</a:t>
             </a:fld>
             <a:endParaRPr lang="en-US"/>
           </a:p>
@@ -445,7 +445,7 @@
               <a:pPr>
                 <a:defRPr/>
               </a:pPr>
-              <a:t>3/20/2025</a:t>
+              <a:t>3/21/2025</a:t>
             </a:fld>
             <a:endParaRPr lang="en-US"/>
           </a:p>
@@ -1506,30 +1506,102 @@
       </p:grpSpPr>
       <p:sp>
         <p:nvSpPr>
+          <p:cNvPr id="3" name="Rectangle: Rounded Corners 2">
+            <a:extLst>
+              <a:ext uri="{FF2B5EF4-FFF2-40B4-BE49-F238E27FC236}">
+                <a16:creationId xmlns:a16="http://schemas.microsoft.com/office/drawing/2014/main" id="{65DF0F35-0C1B-D0C9-BB19-1CB97B80F4CB}"/>
+              </a:ext>
+            </a:extLst>
+          </p:cNvPr>
+          <p:cNvSpPr/>
+          <p:nvPr/>
+        </p:nvSpPr>
+        <p:spPr>
+          <a:xfrm>
+            <a:off x="3135086" y="5042124"/>
+            <a:ext cx="37621030" cy="27522315"/>
+          </a:xfrm>
+          <a:prstGeom prst="roundRect">
+            <a:avLst>
+              <a:gd name="adj" fmla="val 288"/>
+            </a:avLst>
+          </a:prstGeom>
+          <a:blipFill dpi="0" rotWithShape="1">
+            <a:blip r:embed="rId4"/>
+            <a:srcRect/>
+            <a:tile tx="0" ty="0" sx="100000" sy="100000" flip="none" algn="tl"/>
+          </a:blipFill>
+          <a:ln w="76200">
+            <a:solidFill>
+              <a:schemeClr val="tx1"/>
+            </a:solidFill>
+          </a:ln>
+          <a:effectLst>
+            <a:glow rad="127000">
+              <a:srgbClr val="999999">
+                <a:alpha val="60000"/>
+              </a:srgbClr>
+            </a:glow>
+            <a:innerShdw blurRad="63500" dist="50800" dir="13500000">
+              <a:prstClr val="black">
+                <a:alpha val="50000"/>
+              </a:prstClr>
+            </a:innerShdw>
+          </a:effectLst>
+        </p:spPr>
+        <p:style>
+          <a:lnRef idx="1">
+            <a:schemeClr val="accent1"/>
+          </a:lnRef>
+          <a:fillRef idx="3">
+            <a:schemeClr val="accent1"/>
+          </a:fillRef>
+          <a:effectRef idx="2">
+            <a:schemeClr val="accent1"/>
+          </a:effectRef>
+          <a:fontRef idx="minor">
+            <a:schemeClr val="lt1"/>
+          </a:fontRef>
+        </p:style>
+        <p:txBody>
+          <a:bodyPr rtlCol="0" anchor="ctr"/>
+          <a:lstStyle/>
+          <a:p>
+            <a:pPr algn="ctr"/>
+            <a:endParaRPr lang="en-US"/>
+          </a:p>
+        </p:txBody>
+      </p:sp>
+      <p:sp>
+        <p:nvSpPr>
           <p:cNvPr id="15" name="Round Same Side Corner Rectangle 14"/>
           <p:cNvSpPr/>
           <p:nvPr/>
         </p:nvSpPr>
         <p:spPr>
           <a:xfrm rot="10800000">
-            <a:off x="3135086" y="-19274"/>
-            <a:ext cx="37621029" cy="3905314"/>
+            <a:off x="0" y="301421"/>
+            <a:ext cx="43891199" cy="3905314"/>
           </a:xfrm>
           <a:prstGeom prst="round2SameRect">
-            <a:avLst/>
+            <a:avLst>
+              <a:gd name="adj1" fmla="val 0"/>
+              <a:gd name="adj2" fmla="val 0"/>
+            </a:avLst>
           </a:prstGeom>
-          <a:blipFill dpi="0" rotWithShape="1">
-            <a:blip r:embed="rId4"/>
-            <a:srcRect/>
-            <a:stretch>
-              <a:fillRect/>
-            </a:stretch>
-          </a:blipFill>
+          <a:solidFill>
+            <a:schemeClr val="tx1"/>
+          </a:solidFill>
           <a:ln>
             <a:solidFill>
               <a:schemeClr val="tx1"/>
             </a:solidFill>
           </a:ln>
+          <a:effectLst>
+            <a:outerShdw blurRad="1270000" dist="635000" sx="117000" sy="117000" algn="ctr" rotWithShape="0">
+              <a:prstClr val="black"/>
+            </a:outerShdw>
+          </a:effectLst>
         </p:spPr>
         <p:style>
           <a:lnRef idx="1">
@@ -1555,7 +1627,16 @@
           <a:lstStyle/>
           <a:p>
             <a:pPr algn="ctr"/>
-            <a:endParaRPr lang="en-US"/>
+            <a:endParaRPr lang="en-US">
+              <a:solidFill>
+                <a:schemeClr val="bg1"/>
+              </a:solidFill>
+              <a:effectLst>
+                <a:outerShdw blurRad="50800" dist="50800" dir="5400000" algn="ctr" rotWithShape="0">
+                  <a:schemeClr val="bg1"/>
+                </a:outerShdw>
+              </a:effectLst>
+            </a:endParaRPr>
           </a:p>
         </p:txBody>
       </p:sp>
@@ -1569,8 +1650,8 @@
         </p:nvSpPr>
         <p:spPr bwMode="auto">
           <a:xfrm>
-            <a:off x="6160937" y="577295"/>
-            <a:ext cx="31569327" cy="2870492"/>
+            <a:off x="1082040" y="574207"/>
+            <a:ext cx="31569327" cy="3865380"/>
           </a:xfrm>
           <a:prstGeom prst="rect">
             <a:avLst/>
@@ -1714,772 +1795,182 @@
           <a:p>
             <a:pPr algn="ctr"/>
             <a:r>
-              <a:rPr lang="en-US" sz="6465" b="1" dirty="0"/>
-              <a:t>Wall Following and JPS+</a:t>
+              <a:rPr lang="en-US" sz="6465" b="1" dirty="0">
+                <a:solidFill>
+                  <a:srgbClr val="008000"/>
+                </a:solidFill>
+                <a:latin typeface="Courier New" panose="02070309020205020404" pitchFamily="49" charset="0"/>
+                <a:cs typeface="Courier New" panose="02070309020205020404" pitchFamily="49" charset="0"/>
+              </a:rPr>
+              <a:t>Generative AI and Learning: Using Retrieval-Augmented Generation for C++ Tutoring</a:t>
             </a:r>
           </a:p>
           <a:p>
             <a:pPr algn="ctr"/>
             <a:r>
-              <a:rPr lang="en-US" sz="4310" b="1" dirty="0"/>
-              <a:t>Erick </a:t>
-            </a:r>
-            <a:r>
-              <a:rPr lang="en-US" sz="4310" b="1" dirty="0" err="1"/>
-              <a:t>Ropi</a:t>
-            </a:r>
-            <a:r>
-              <a:rPr lang="en-US" sz="4310" b="1" dirty="0"/>
-              <a:t> (Computer Science), Robert Pellegrino (Computer Science)</a:t>
+              <a:rPr lang="en-US" sz="4310" b="1" dirty="0">
+                <a:solidFill>
+                  <a:srgbClr val="008000"/>
+                </a:solidFill>
+                <a:latin typeface="Courier New" panose="02070309020205020404" pitchFamily="49" charset="0"/>
+                <a:cs typeface="Courier New" panose="02070309020205020404" pitchFamily="49" charset="0"/>
+              </a:rPr>
+              <a:t>Ben Carpenter (Computer Science), James Stevens (Computer Science)</a:t>
             </a:r>
           </a:p>
           <a:p>
             <a:pPr algn="ctr"/>
             <a:r>
-              <a:rPr lang="en-US" sz="4310" b="1" dirty="0"/>
-              <a:t>Advisor: Professor Hao </a:t>
-            </a:r>
-            <a:r>
-              <a:rPr lang="en-US" sz="4310" b="1" dirty="0" err="1"/>
-              <a:t>Loi</a:t>
-            </a:r>
-            <a:r>
-              <a:rPr lang="en-US" sz="4310" b="1" dirty="0"/>
-              <a:t> (Computer Science)</a:t>
+              <a:rPr lang="en-US" sz="4310" b="1" dirty="0">
+                <a:solidFill>
+                  <a:srgbClr val="008000"/>
+                </a:solidFill>
+                <a:latin typeface="Courier New" panose="02070309020205020404" pitchFamily="49" charset="0"/>
+                <a:cs typeface="Courier New" panose="02070309020205020404" pitchFamily="49" charset="0"/>
+              </a:rPr>
+              <a:t>Advisor: Professor Hao Loi (Computer Science)</a:t>
             </a:r>
           </a:p>
           <a:p>
             <a:pPr algn="ctr"/>
-            <a:endParaRPr lang="en-US" sz="3134" b="1" dirty="0"/>
+            <a:endParaRPr lang="en-US" sz="3134" b="1" dirty="0">
+              <a:solidFill>
+                <a:srgbClr val="008000"/>
+              </a:solidFill>
+              <a:latin typeface="Courier New" panose="02070309020205020404" pitchFamily="49" charset="0"/>
+              <a:cs typeface="Courier New" panose="02070309020205020404" pitchFamily="49" charset="0"/>
+            </a:endParaRPr>
           </a:p>
         </p:txBody>
       </p:sp>
-      <p:pic>
-        <p:nvPicPr>
-          <p:cNvPr id="2" name="Picture 1"/>
-          <p:cNvPicPr>
-            <a:picLocks noChangeAspect="1"/>
-          </p:cNvPicPr>
+      <p:sp>
+        <p:nvSpPr>
+          <p:cNvPr id="10" name="AutoShape 17"/>
+          <p:cNvSpPr>
+            <a:spLocks noChangeArrowheads="1"/>
+          </p:cNvSpPr>
           <p:nvPr/>
-        </p:nvPicPr>
-        <p:blipFill>
-          <a:blip r:embed="rId5">
-            <a:extLst>
-              <a:ext uri="{28A0092B-C50C-407E-A947-70E740481C1C}">
-                <a14:useLocalDpi xmlns:a14="http://schemas.microsoft.com/office/drawing/2010/main" val="0"/>
-              </a:ext>
-            </a:extLst>
-          </a:blip>
-          <a:stretch>
-            <a:fillRect/>
-          </a:stretch>
-        </p:blipFill>
-        <p:spPr>
+        </p:nvSpPr>
+        <p:spPr bwMode="auto">
           <a:xfrm>
-            <a:off x="33915363" y="-473223"/>
-            <a:ext cx="5829855" cy="4504887"/>
+            <a:off x="4000969" y="5699387"/>
+            <a:ext cx="11364684" cy="6319502"/>
           </a:xfrm>
-          <a:prstGeom prst="rect">
-            <a:avLst/>
+          <a:prstGeom prst="roundRect">
+            <a:avLst>
+              <a:gd name="adj" fmla="val 6655"/>
+            </a:avLst>
           </a:prstGeom>
+          <a:solidFill>
+            <a:srgbClr val="C0C0C0">
+              <a:alpha val="10000"/>
+            </a:srgbClr>
+          </a:solidFill>
+          <a:ln w="76200">
+            <a:solidFill>
+              <a:srgbClr val="53776D"/>
+            </a:solidFill>
+            <a:round/>
+            <a:headEnd/>
+            <a:tailEnd/>
+          </a:ln>
+          <a:effectLst>
+            <a:innerShdw blurRad="127000">
+              <a:prstClr val="black"/>
+            </a:innerShdw>
+          </a:effectLst>
         </p:spPr>
-      </p:pic>
-      <p:grpSp>
-        <p:nvGrpSpPr>
-          <p:cNvPr id="16" name="Group 15"/>
-          <p:cNvGrpSpPr/>
-          <p:nvPr/>
-        </p:nvGrpSpPr>
-        <p:grpSpPr>
-          <a:xfrm>
-            <a:off x="3993144" y="4407965"/>
-            <a:ext cx="11372509" cy="27475740"/>
-            <a:chOff x="1186263" y="5906899"/>
-            <a:chExt cx="13168923" cy="30925826"/>
-          </a:xfrm>
-          <a:blipFill>
-            <a:blip r:embed="rId6"/>
-            <a:stretch>
-              <a:fillRect/>
-            </a:stretch>
-          </a:blipFill>
-        </p:grpSpPr>
-        <p:sp>
-          <p:nvSpPr>
-            <p:cNvPr id="10" name="AutoShape 17"/>
-            <p:cNvSpPr>
-              <a:spLocks noChangeArrowheads="1"/>
-            </p:cNvSpPr>
-            <p:nvPr/>
-          </p:nvSpPr>
-          <p:spPr bwMode="auto">
-            <a:xfrm>
-              <a:off x="1195324" y="5906899"/>
-              <a:ext cx="13159862" cy="8566616"/>
-            </a:xfrm>
-            <a:prstGeom prst="roundRect">
-              <a:avLst>
-                <a:gd name="adj" fmla="val 16667"/>
-              </a:avLst>
-            </a:prstGeom>
-            <a:grpFill/>
-            <a:ln w="9525">
+        <p:txBody>
+          <a:bodyPr lIns="66130" tIns="33065" rIns="66130" bIns="33065" anchor="t"/>
+          <a:lstStyle/>
+          <a:p>
+            <a:pPr algn="ctr"/>
+            <a:r>
+              <a:rPr lang="en-US" sz="4400" b="1" dirty="0">
+                <a:solidFill>
+                  <a:srgbClr val="003400"/>
+                </a:solidFill>
+                <a:latin typeface="Cambo" panose="02000000000000000000" pitchFamily="2" charset="0"/>
+              </a:rPr>
+              <a:t>Introduction</a:t>
+            </a:r>
+            <a:endParaRPr lang="en-US" sz="3428" b="1" dirty="0">
               <a:solidFill>
-                <a:schemeClr val="tx1"/>
+                <a:srgbClr val="003400"/>
               </a:solidFill>
-              <a:round/>
-              <a:headEnd/>
-              <a:tailEnd/>
-            </a:ln>
-            <a:effectLst/>
-            <a:extLst>
-              <a:ext uri="{AF507438-7753-43E0-B8FC-AC1667EBCBE1}">
-                <a14:hiddenEffects xmlns:a14="http://schemas.microsoft.com/office/drawing/2010/main">
-                  <a:effectLst>
-                    <a:outerShdw dist="35921" dir="2700000" algn="ctr" rotWithShape="0">
-                      <a:schemeClr val="bg2"/>
-                    </a:outerShdw>
-                  </a:effectLst>
-                </a14:hiddenEffects>
-              </a:ext>
-            </a:extLst>
-          </p:spPr>
-          <p:txBody>
-            <a:bodyPr lIns="66130" tIns="33065" rIns="66130" bIns="33065" anchor="t"/>
-            <a:lstStyle/>
-            <a:p>
-              <a:pPr algn="ctr"/>
-              <a:r>
-                <a:rPr lang="en-US" sz="4400" b="1" dirty="0"/>
-                <a:t>Introduction</a:t>
-              </a:r>
-              <a:endParaRPr lang="en-US" sz="3428" b="1" dirty="0"/>
-            </a:p>
-            <a:p>
-              <a:r>
-                <a:rPr lang="en-US" sz="3428" b="1" dirty="0"/>
-                <a:t>Our main goal was to devise a faster and more comprehensive method for the Roomba to clean a room</a:t>
-              </a:r>
-            </a:p>
-            <a:p>
-              <a:r>
-                <a:rPr lang="en-US" sz="3428" b="1" dirty="0"/>
-                <a:t>Our methodology included the implementation of two algorithms: Wall Following and JPS+</a:t>
-              </a:r>
-            </a:p>
-            <a:p>
-              <a:r>
-                <a:rPr lang="en-US" sz="3428" b="1" dirty="0"/>
-                <a:t>Wall Following, as the name suggests, allows the robot to follow the path of a wall</a:t>
-              </a:r>
-            </a:p>
-            <a:p>
-              <a:r>
-                <a:rPr lang="en-US" sz="3428" b="1" dirty="0"/>
-                <a:t>JPS+ works as a pathing algorithm, calculating the optimal path between 2 designated points while still allowing for backtracking</a:t>
-              </a:r>
-            </a:p>
-            <a:p>
-              <a:pPr algn="ctr"/>
-              <a:endParaRPr lang="en-US" sz="3428" b="1" dirty="0"/>
-            </a:p>
-            <a:p>
-              <a:pPr algn="ctr"/>
-              <a:endParaRPr lang="en-US" sz="343" dirty="0"/>
-            </a:p>
-          </p:txBody>
-        </p:sp>
-        <p:sp>
-          <p:nvSpPr>
-            <p:cNvPr id="12" name="AutoShape 20"/>
-            <p:cNvSpPr>
-              <a:spLocks noChangeArrowheads="1"/>
-            </p:cNvSpPr>
-            <p:nvPr/>
-          </p:nvSpPr>
-          <p:spPr bwMode="auto">
-            <a:xfrm>
-              <a:off x="1195322" y="15757458"/>
-              <a:ext cx="13159861" cy="10452303"/>
-            </a:xfrm>
-            <a:prstGeom prst="roundRect">
-              <a:avLst>
-                <a:gd name="adj" fmla="val 8301"/>
-              </a:avLst>
-            </a:prstGeom>
-            <a:grpFill/>
-            <a:ln w="9525">
-              <a:solidFill>
-                <a:schemeClr val="tx1"/>
-              </a:solidFill>
-              <a:round/>
-              <a:headEnd/>
-              <a:tailEnd/>
-            </a:ln>
-            <a:effectLst/>
-            <a:extLst>
-              <a:ext uri="{AF507438-7753-43E0-B8FC-AC1667EBCBE1}">
-                <a14:hiddenEffects xmlns:a14="http://schemas.microsoft.com/office/drawing/2010/main">
-                  <a:effectLst>
-                    <a:outerShdw dist="35921" dir="2700000" algn="ctr" rotWithShape="0">
-                      <a:schemeClr val="bg2"/>
-                    </a:outerShdw>
-                  </a:effectLst>
-                </a14:hiddenEffects>
-              </a:ext>
-            </a:extLst>
-          </p:spPr>
-          <p:txBody>
-            <a:bodyPr lIns="66130" tIns="33065" rIns="66130" bIns="33065" anchor="t"/>
-            <a:lstStyle/>
-            <a:p>
-              <a:pPr algn="ctr"/>
-              <a:r>
-                <a:rPr lang="en-US" sz="4628" b="1" dirty="0">
-                  <a:latin typeface="Cambria" pitchFamily="18" charset="0"/>
-                </a:rPr>
-                <a:t>Challenge</a:t>
-              </a:r>
-            </a:p>
-            <a:p>
-              <a:pPr algn="ctr"/>
-              <a:endParaRPr lang="en-US" sz="4628" b="1" dirty="0">
-                <a:latin typeface="Cambria" pitchFamily="18" charset="0"/>
-              </a:endParaRPr>
-            </a:p>
-            <a:p>
-              <a:pPr algn="ctr"/>
-              <a:endParaRPr lang="en-US" sz="4628" b="1" dirty="0">
-                <a:latin typeface="Cambria" pitchFamily="18" charset="0"/>
-              </a:endParaRPr>
-            </a:p>
-          </p:txBody>
-        </p:sp>
-        <p:sp>
-          <p:nvSpPr>
-            <p:cNvPr id="14" name="AutoShape 23"/>
-            <p:cNvSpPr>
-              <a:spLocks noChangeArrowheads="1"/>
-            </p:cNvSpPr>
-            <p:nvPr/>
-          </p:nvSpPr>
-          <p:spPr bwMode="auto">
-            <a:xfrm>
-              <a:off x="1186263" y="27651734"/>
-              <a:ext cx="13159862" cy="9180991"/>
-            </a:xfrm>
-            <a:prstGeom prst="roundRect">
-              <a:avLst>
-                <a:gd name="adj" fmla="val 10593"/>
-              </a:avLst>
-            </a:prstGeom>
-            <a:grpFill/>
-            <a:ln w="9525">
-              <a:solidFill>
-                <a:schemeClr val="tx1"/>
-              </a:solidFill>
-              <a:round/>
-              <a:headEnd/>
-              <a:tailEnd/>
-            </a:ln>
-            <a:effectLst/>
-            <a:extLst>
-              <a:ext uri="{AF507438-7753-43E0-B8FC-AC1667EBCBE1}">
-                <a14:hiddenEffects xmlns:a14="http://schemas.microsoft.com/office/drawing/2010/main">
-                  <a:effectLst>
-                    <a:outerShdw dist="35921" dir="2700000" algn="ctr" rotWithShape="0">
-                      <a:schemeClr val="bg2"/>
-                    </a:outerShdw>
-                  </a:effectLst>
-                </a14:hiddenEffects>
-              </a:ext>
-            </a:extLst>
-          </p:spPr>
-          <p:txBody>
-            <a:bodyPr lIns="66130" tIns="33065" rIns="66130" bIns="33065" anchor="t"/>
-            <a:lstStyle/>
-            <a:p>
-              <a:pPr algn="ctr"/>
-              <a:r>
-                <a:rPr lang="en-US" sz="4310" b="1" dirty="0"/>
-                <a:t>Wall Following</a:t>
-              </a:r>
-            </a:p>
-          </p:txBody>
-        </p:sp>
-        <p:sp>
-          <p:nvSpPr>
-            <p:cNvPr id="7" name="TextBox 6"/>
-            <p:cNvSpPr txBox="1"/>
-            <p:nvPr/>
-          </p:nvSpPr>
-          <p:spPr>
-            <a:xfrm>
-              <a:off x="1568910" y="29531153"/>
-              <a:ext cx="12394567" cy="6213107"/>
-            </a:xfrm>
-            <a:prstGeom prst="rect">
-              <a:avLst/>
-            </a:prstGeom>
-            <a:grpFill/>
-          </p:spPr>
-          <p:txBody>
-            <a:bodyPr wrap="square" rtlCol="0">
-              <a:spAutoFit/>
-            </a:bodyPr>
-            <a:lstStyle/>
-            <a:p>
-              <a:r>
-                <a:rPr lang="en-US" sz="2939" b="1" dirty="0">
-                  <a:latin typeface="+mn-lt"/>
-                </a:rPr>
-                <a:t>Wall following does exactly what it’s name suggests. It travels along a wall, following it, until it reaches a set destination. Our Wall Following algorithm was built from the ground up using the LIDAR detector to maintain a set distance from a wall to the left of the robot. It’s able to continue maintaining this distance all while avoiding obstacles. </a:t>
-              </a:r>
-            </a:p>
-            <a:p>
-              <a:endParaRPr lang="en-US" sz="2939" b="1" dirty="0">
-                <a:latin typeface="+mn-lt"/>
-              </a:endParaRPr>
-            </a:p>
-            <a:p>
-              <a:r>
-                <a:rPr lang="en-US" sz="2939" b="1" dirty="0">
-                  <a:latin typeface="+mn-lt"/>
-                </a:rPr>
-                <a:t>Our robot does an initial spin to double check that it’s not already near a wall, drives forwards to find a wall, then rotates to become even with the wall it finds. </a:t>
-              </a:r>
-            </a:p>
-            <a:p>
-              <a:endParaRPr lang="en-US" sz="2939" b="1" dirty="0">
-                <a:latin typeface="+mn-lt"/>
-              </a:endParaRPr>
-            </a:p>
-            <a:p>
-              <a:endParaRPr lang="en-US" sz="2939" b="1" dirty="0">
-                <a:latin typeface="+mn-lt"/>
-              </a:endParaRPr>
-            </a:p>
-          </p:txBody>
-        </p:sp>
-      </p:grpSp>
-      <p:grpSp>
-        <p:nvGrpSpPr>
-          <p:cNvPr id="23" name="Group 22"/>
-          <p:cNvGrpSpPr/>
-          <p:nvPr/>
-        </p:nvGrpSpPr>
-        <p:grpSpPr>
-          <a:xfrm>
-            <a:off x="16413800" y="4540372"/>
-            <a:ext cx="23627786" cy="23986160"/>
-            <a:chOff x="15610115" y="6055931"/>
-            <a:chExt cx="26343620" cy="26998066"/>
-          </a:xfrm>
-          <a:blipFill>
-            <a:blip r:embed="rId6"/>
-            <a:stretch>
-              <a:fillRect/>
-            </a:stretch>
-          </a:blipFill>
-        </p:grpSpPr>
-        <p:sp>
-          <p:nvSpPr>
-            <p:cNvPr id="9" name="AutoShape 25"/>
-            <p:cNvSpPr>
-              <a:spLocks noChangeArrowheads="1"/>
-            </p:cNvSpPr>
-            <p:nvPr/>
-          </p:nvSpPr>
-          <p:spPr bwMode="auto">
-            <a:xfrm>
-              <a:off x="29282765" y="6055931"/>
-              <a:ext cx="12670970" cy="17174348"/>
-            </a:xfrm>
-            <a:prstGeom prst="roundRect">
-              <a:avLst>
-                <a:gd name="adj" fmla="val 16667"/>
-              </a:avLst>
-            </a:prstGeom>
-            <a:grpFill/>
-            <a:ln w="9525">
-              <a:solidFill>
-                <a:schemeClr val="tx1"/>
-              </a:solidFill>
-              <a:round/>
-              <a:headEnd/>
-              <a:tailEnd/>
-            </a:ln>
-            <a:effectLst/>
-            <a:extLst>
-              <a:ext uri="{AF507438-7753-43E0-B8FC-AC1667EBCBE1}">
-                <a14:hiddenEffects xmlns:a14="http://schemas.microsoft.com/office/drawing/2010/main">
-                  <a:effectLst>
-                    <a:outerShdw dist="35921" dir="2700000" algn="ctr" rotWithShape="0">
-                      <a:schemeClr val="bg2"/>
-                    </a:outerShdw>
-                  </a:effectLst>
-                </a14:hiddenEffects>
-              </a:ext>
-            </a:extLst>
-          </p:spPr>
-          <p:txBody>
-            <a:bodyPr lIns="66130" tIns="33065" rIns="66130" bIns="33065" anchor="t"/>
-            <a:lstStyle/>
-            <a:p>
-              <a:pPr algn="ctr"/>
-              <a:r>
-                <a:rPr lang="en-US" sz="4310" b="1" dirty="0"/>
-                <a:t>JPS+</a:t>
-              </a:r>
-              <a:r>
-                <a:rPr lang="en-US" sz="4310" b="1" baseline="30000" dirty="0"/>
-                <a:t>1</a:t>
-              </a:r>
-              <a:endParaRPr lang="en-US" sz="3196" b="1" dirty="0"/>
-            </a:p>
-            <a:p>
-              <a:pPr algn="just"/>
-              <a:endParaRPr lang="en-US" sz="2315" b="1" dirty="0"/>
-            </a:p>
-            <a:p>
-              <a:pPr algn="just"/>
-              <a:endParaRPr lang="en-US" sz="1983" dirty="0">
-                <a:latin typeface="+mn-lt"/>
-              </a:endParaRPr>
-            </a:p>
-            <a:p>
-              <a:pPr algn="just"/>
-              <a:endParaRPr lang="en-US" sz="2038" dirty="0"/>
-            </a:p>
-            <a:p>
-              <a:pPr algn="just"/>
-              <a:endParaRPr lang="en-US" sz="2038" dirty="0"/>
-            </a:p>
-            <a:p>
-              <a:pPr algn="just"/>
-              <a:endParaRPr lang="en-US" sz="2038" dirty="0"/>
-            </a:p>
-            <a:p>
-              <a:pPr algn="just"/>
-              <a:endParaRPr lang="en-US" sz="2038" dirty="0"/>
-            </a:p>
-            <a:p>
-              <a:pPr algn="just"/>
-              <a:endParaRPr lang="en-US" sz="2038" dirty="0"/>
-            </a:p>
-            <a:p>
-              <a:pPr algn="just"/>
-              <a:endParaRPr lang="en-US" sz="2038" b="1" dirty="0"/>
-            </a:p>
-            <a:p>
-              <a:pPr lvl="1" algn="just"/>
-              <a:r>
-                <a:rPr lang="en-US" sz="2038" b="1" dirty="0"/>
-                <a:t> </a:t>
-              </a:r>
-            </a:p>
-            <a:p>
-              <a:pPr lvl="1" algn="just"/>
-              <a:endParaRPr lang="en-US" sz="2038" b="1" dirty="0"/>
-            </a:p>
-          </p:txBody>
-        </p:sp>
-        <p:sp>
-          <p:nvSpPr>
-            <p:cNvPr id="17" name="AutoShape 32"/>
-            <p:cNvSpPr>
-              <a:spLocks noChangeArrowheads="1"/>
-            </p:cNvSpPr>
-            <p:nvPr/>
-          </p:nvSpPr>
-          <p:spPr bwMode="auto">
-            <a:xfrm>
-              <a:off x="15610115" y="18998753"/>
-              <a:ext cx="12670970" cy="14055244"/>
-            </a:xfrm>
-            <a:prstGeom prst="roundRect">
-              <a:avLst>
-                <a:gd name="adj" fmla="val 16667"/>
-              </a:avLst>
-            </a:prstGeom>
-            <a:grpFill/>
-            <a:ln w="9525">
-              <a:solidFill>
-                <a:schemeClr val="tx1"/>
-              </a:solidFill>
-              <a:round/>
-              <a:headEnd/>
-              <a:tailEnd/>
-            </a:ln>
-            <a:effectLst/>
-            <a:extLst>
-              <a:ext uri="{AF507438-7753-43E0-B8FC-AC1667EBCBE1}">
-                <a14:hiddenEffects xmlns:a14="http://schemas.microsoft.com/office/drawing/2010/main">
-                  <a:effectLst>
-                    <a:outerShdw dist="35921" dir="2700000" algn="ctr" rotWithShape="0">
-                      <a:schemeClr val="bg2"/>
-                    </a:outerShdw>
-                  </a:effectLst>
-                </a14:hiddenEffects>
-              </a:ext>
-            </a:extLst>
-          </p:spPr>
-          <p:txBody>
-            <a:bodyPr lIns="66130" tIns="33065" rIns="66130" bIns="33065" anchor="t"/>
-            <a:lstStyle/>
-            <a:p>
-              <a:pPr algn="ctr"/>
-              <a:r>
-                <a:rPr lang="en-US" sz="4310" b="1" dirty="0"/>
-                <a:t>Lidar Mapping</a:t>
-              </a:r>
-            </a:p>
-            <a:p>
-              <a:pPr algn="ctr"/>
-              <a:endParaRPr lang="en-US" sz="2205" b="1" dirty="0"/>
-            </a:p>
-            <a:p>
-              <a:r>
-                <a:rPr lang="en-US" sz="2426" dirty="0">
-                  <a:latin typeface="+mn-lt"/>
-                </a:rPr>
-                <a:t>.  </a:t>
-              </a:r>
-            </a:p>
-          </p:txBody>
-        </p:sp>
-        <p:sp>
-          <p:nvSpPr>
-            <p:cNvPr id="5" name="TextBox 4"/>
-            <p:cNvSpPr txBox="1"/>
-            <p:nvPr/>
-          </p:nvSpPr>
-          <p:spPr>
-            <a:xfrm>
-              <a:off x="16009351" y="20946738"/>
-              <a:ext cx="11872499" cy="6075549"/>
-            </a:xfrm>
-            <a:prstGeom prst="rect">
-              <a:avLst/>
-            </a:prstGeom>
-            <a:grpFill/>
-          </p:spPr>
-          <p:txBody>
-            <a:bodyPr wrap="square" rtlCol="0">
-              <a:spAutoFit/>
-            </a:bodyPr>
-            <a:lstStyle/>
-            <a:p>
-              <a:r>
-                <a:rPr lang="en-US" sz="3134" b="1" dirty="0"/>
-                <a:t>LIDAR or Light Detection and Ranging is a sensor that uses lasers to measure the distance of objects. It’s main purpose in our robot is to map out an entire room to give our robot a sense of where obstacles and walls are.</a:t>
-              </a:r>
-            </a:p>
-            <a:p>
-              <a:endParaRPr lang="en-US" sz="3134" b="1" dirty="0"/>
-            </a:p>
-            <a:p>
-              <a:r>
-                <a:rPr lang="en-US" sz="3134" b="1" dirty="0"/>
-                <a:t>Using the Navigation 2 (NAV2) stack, we can use this LIDAR data to navigate our robot around a room automatically, avoiding obstacles while maintaining a sense of location. </a:t>
-              </a:r>
-            </a:p>
-            <a:p>
-              <a:endParaRPr lang="en-US" sz="3134" b="1" dirty="0">
-                <a:latin typeface="+mn-lt"/>
-              </a:endParaRPr>
-            </a:p>
-          </p:txBody>
-        </p:sp>
-        <p:sp>
-          <p:nvSpPr>
-            <p:cNvPr id="11" name="TextBox 10"/>
-            <p:cNvSpPr txBox="1"/>
-            <p:nvPr/>
-          </p:nvSpPr>
-          <p:spPr>
-            <a:xfrm>
-              <a:off x="30077400" y="7934322"/>
-              <a:ext cx="11395645" cy="7161298"/>
-            </a:xfrm>
-            <a:prstGeom prst="rect">
-              <a:avLst/>
-            </a:prstGeom>
-            <a:grpFill/>
-          </p:spPr>
-          <p:txBody>
-            <a:bodyPr wrap="square" rtlCol="0">
-              <a:spAutoFit/>
-            </a:bodyPr>
-            <a:lstStyle/>
-            <a:p>
-              <a:r>
-                <a:rPr lang="en-US" sz="3134" b="1" dirty="0">
-                  <a:latin typeface="+mn-lt"/>
-                </a:rPr>
-                <a:t>JPS +, or “Jump Point Search +,  is a highly optimized path finding algorithm used to find the shortest path between two points. It is built upon the widely known and used a*</a:t>
-              </a:r>
-              <a:r>
-                <a:rPr lang="en-US" sz="3134" b="1" baseline="30000" dirty="0">
-                  <a:latin typeface="+mn-lt"/>
-                </a:rPr>
-                <a:t>2</a:t>
-              </a:r>
-              <a:r>
-                <a:rPr lang="en-US" sz="3134" b="1" dirty="0">
-                  <a:latin typeface="+mn-lt"/>
-                </a:rPr>
-                <a:t> pathfinding algorithm and is guaranteed to find the optimal path through a grid.</a:t>
-              </a:r>
-            </a:p>
-            <a:p>
-              <a:endParaRPr lang="en-US" sz="3134" b="1" dirty="0">
-                <a:latin typeface="+mn-lt"/>
-              </a:endParaRPr>
-            </a:p>
-            <a:p>
-              <a:r>
-                <a:rPr lang="en-US" sz="3134" b="1" dirty="0">
-                  <a:latin typeface="+mn-lt"/>
-                </a:rPr>
-                <a:t> Normally, a pathfinding algorithm will look at every square around it to determine if it’s open and if it provides a closer path to it’s goal but instead, JPS+ searches the entire x and y axis next to a node to determine open ‘lanes’. This allows you to skip searching nodes that would otherwise be inefficient by looking past them entirely.</a:t>
-              </a:r>
-            </a:p>
-          </p:txBody>
-        </p:sp>
-      </p:grpSp>
-      <p:grpSp>
-        <p:nvGrpSpPr>
-          <p:cNvPr id="25" name="Group 24"/>
-          <p:cNvGrpSpPr/>
-          <p:nvPr/>
-        </p:nvGrpSpPr>
-        <p:grpSpPr>
-          <a:xfrm>
-            <a:off x="28663257" y="20282719"/>
-            <a:ext cx="11364684" cy="8243813"/>
-            <a:chOff x="29480947" y="27504516"/>
-            <a:chExt cx="13731213" cy="9278977"/>
-          </a:xfrm>
-          <a:blipFill>
-            <a:blip r:embed="rId6"/>
-            <a:stretch>
-              <a:fillRect/>
-            </a:stretch>
-          </a:blipFill>
-        </p:grpSpPr>
-        <p:sp>
-          <p:nvSpPr>
-            <p:cNvPr id="22" name="AutoShape 38"/>
-            <p:cNvSpPr>
-              <a:spLocks noChangeArrowheads="1"/>
-            </p:cNvSpPr>
-            <p:nvPr/>
-          </p:nvSpPr>
-          <p:spPr bwMode="auto">
-            <a:xfrm>
-              <a:off x="29480947" y="27504516"/>
-              <a:ext cx="13731213" cy="9278977"/>
-            </a:xfrm>
-            <a:prstGeom prst="roundRect">
-              <a:avLst>
-                <a:gd name="adj" fmla="val 16667"/>
-              </a:avLst>
-            </a:prstGeom>
-            <a:grpFill/>
-            <a:ln w="9525">
-              <a:solidFill>
-                <a:schemeClr val="tx1"/>
-              </a:solidFill>
-              <a:round/>
-              <a:headEnd/>
-              <a:tailEnd/>
-            </a:ln>
-            <a:effectLst/>
-            <a:extLst>
-              <a:ext uri="{AF507438-7753-43E0-B8FC-AC1667EBCBE1}">
-                <a14:hiddenEffects xmlns:a14="http://schemas.microsoft.com/office/drawing/2010/main">
-                  <a:effectLst>
-                    <a:outerShdw dist="35921" dir="2700000" algn="ctr" rotWithShape="0">
-                      <a:schemeClr val="bg2"/>
-                    </a:outerShdw>
-                  </a:effectLst>
-                </a14:hiddenEffects>
-              </a:ext>
-            </a:extLst>
-          </p:spPr>
-          <p:txBody>
-            <a:bodyPr lIns="66130" tIns="33065" rIns="66130" bIns="33065" anchor="t"/>
-            <a:lstStyle/>
-            <a:p>
-              <a:pPr algn="ctr"/>
-              <a:r>
-                <a:rPr lang="en-US" sz="4310" b="1" dirty="0"/>
-                <a:t>Conclusion</a:t>
-              </a:r>
-            </a:p>
-            <a:p>
-              <a:pPr algn="ctr"/>
-              <a:endParaRPr lang="en-US" sz="2205" dirty="0">
-                <a:latin typeface="Times New Roman" pitchFamily="18" charset="0"/>
-              </a:endParaRPr>
-            </a:p>
-          </p:txBody>
-        </p:sp>
-        <p:sp>
-          <p:nvSpPr>
-            <p:cNvPr id="13" name="TextBox 12"/>
-            <p:cNvSpPr txBox="1"/>
-            <p:nvPr/>
-          </p:nvSpPr>
-          <p:spPr>
-            <a:xfrm>
-              <a:off x="30000476" y="29531154"/>
-              <a:ext cx="12870088" cy="6081106"/>
-            </a:xfrm>
-            <a:prstGeom prst="rect">
-              <a:avLst/>
-            </a:prstGeom>
-            <a:grpFill/>
-          </p:spPr>
-          <p:txBody>
-            <a:bodyPr wrap="square" rtlCol="0">
-              <a:spAutoFit/>
-            </a:bodyPr>
-            <a:lstStyle/>
-            <a:p>
-              <a:r>
-                <a:rPr lang="en-US" sz="3137" b="1" dirty="0"/>
-                <a:t>We believe that using Wall Follow alongside JPS+ will lead to increased efficiency in the robot’s cleaning method</a:t>
-              </a:r>
-            </a:p>
-            <a:p>
-              <a:endParaRPr lang="en-US" sz="3137" b="1" dirty="0"/>
-            </a:p>
-            <a:p>
-              <a:r>
-                <a:rPr lang="en-US" sz="3137" b="1" dirty="0"/>
-                <a:t>A typical Roomba cleaning robot uses a random algorithm, cleaning until it hits something and turns, </a:t>
-              </a:r>
-            </a:p>
-            <a:p>
-              <a:r>
-                <a:rPr lang="en-US" sz="3137" b="1" dirty="0"/>
-                <a:t>so you never know if the full room will ever be clean.</a:t>
-              </a:r>
-            </a:p>
-            <a:p>
-              <a:endParaRPr lang="en-US" sz="3137" b="1" dirty="0"/>
-            </a:p>
-            <a:p>
-              <a:r>
-                <a:rPr lang="en-US" sz="3137" b="1" dirty="0"/>
-                <a:t>Using our algorithms the Roomba will clean in a uniform and orderly method, ensuring entire room coverage in less time</a:t>
-              </a:r>
-            </a:p>
-          </p:txBody>
-        </p:sp>
-      </p:grpSp>
+              <a:latin typeface="Cambo" panose="02000000000000000000" pitchFamily="2" charset="0"/>
+            </a:endParaRPr>
+          </a:p>
+          <a:p>
+            <a:pPr marL="457200" indent="-457200">
+              <a:buClr>
+                <a:srgbClr val="519D48"/>
+              </a:buClr>
+              <a:buFont typeface="Lora" pitchFamily="2" charset="0"/>
+              <a:buChar char="•"/>
+            </a:pPr>
+            <a:r>
+              <a:rPr lang="en-US" sz="3428" dirty="0">
+                <a:latin typeface="Lora" pitchFamily="2" charset="0"/>
+              </a:rPr>
+              <a:t>The goal of our project was to design and implement an AI tutor for an introductory C++ programming course</a:t>
+            </a:r>
+          </a:p>
+          <a:p>
+            <a:pPr marL="457200" indent="-457200">
+              <a:buClr>
+                <a:srgbClr val="519D48"/>
+              </a:buClr>
+              <a:buFont typeface="Lora" pitchFamily="2" charset="0"/>
+              <a:buChar char="•"/>
+            </a:pPr>
+            <a:r>
+              <a:rPr lang="en-US" sz="3428" dirty="0">
+                <a:latin typeface="Lora" pitchFamily="2" charset="0"/>
+              </a:rPr>
+              <a:t>We utilized a RAG method to provide an effective framework for learning</a:t>
+            </a:r>
+          </a:p>
+          <a:p>
+            <a:pPr marL="457200" indent="-457200">
+              <a:buClr>
+                <a:srgbClr val="519D48"/>
+              </a:buClr>
+              <a:buFont typeface="Lora" pitchFamily="2" charset="0"/>
+              <a:buChar char="•"/>
+            </a:pPr>
+            <a:r>
+              <a:rPr lang="en-US" sz="3428" dirty="0">
+                <a:latin typeface="Lora" pitchFamily="2" charset="0"/>
+              </a:rPr>
+              <a:t>The responses are drawn from a strict data pool. This framework ensures relevant, concise responses to user queries</a:t>
+            </a:r>
+          </a:p>
+          <a:p>
+            <a:pPr marL="457200" indent="-457200">
+              <a:buClr>
+                <a:srgbClr val="519D48"/>
+              </a:buClr>
+              <a:buFont typeface="Lora" pitchFamily="2" charset="0"/>
+              <a:buChar char="•"/>
+            </a:pPr>
+            <a:r>
+              <a:rPr lang="en-US" sz="3428" dirty="0">
+                <a:latin typeface="Lora" pitchFamily="2" charset="0"/>
+              </a:rPr>
+              <a:t>We aim to eliminate the drawbacks of typical AI generation which includes hallucination</a:t>
+            </a:r>
+          </a:p>
+          <a:p>
+            <a:pPr algn="ctr"/>
+            <a:endParaRPr lang="en-US" sz="3428" b="1" dirty="0"/>
+          </a:p>
+          <a:p>
+            <a:pPr algn="ctr"/>
+            <a:endParaRPr lang="en-US" sz="343" dirty="0"/>
+          </a:p>
+        </p:txBody>
+      </p:sp>
       <p:pic>
         <p:nvPicPr>
           <p:cNvPr id="1028" name="Picture 4" descr="Quinsigamond Wyvern">
@@ -2495,7 +1986,7 @@
           <p:nvPr/>
         </p:nvPicPr>
         <p:blipFill>
-          <a:blip r:embed="rId7">
+          <a:blip r:embed="rId5">
             <a:extLst>
               <a:ext uri="{28A0092B-C50C-407E-A947-70E740481C1C}">
                 <a14:useLocalDpi xmlns:a14="http://schemas.microsoft.com/office/drawing/2010/main" val="0"/>
@@ -2509,7 +2000,7 @@
         </p:blipFill>
         <p:spPr bwMode="auto">
           <a:xfrm>
-            <a:off x="5280904" y="95852"/>
+            <a:off x="34549614" y="515459"/>
             <a:ext cx="3718066" cy="3477237"/>
           </a:xfrm>
           <a:prstGeom prst="rect">
@@ -2529,10 +2020,10 @@
       </p:pic>
       <p:pic>
         <p:nvPicPr>
-          <p:cNvPr id="34" name="Picture 33">
+          <p:cNvPr id="26" name="Picture 25">
             <a:extLst>
               <a:ext uri="{FF2B5EF4-FFF2-40B4-BE49-F238E27FC236}">
-                <a16:creationId xmlns:a16="http://schemas.microsoft.com/office/drawing/2014/main" id="{104380FD-9FF3-4D4B-3249-6132990671AA}"/>
+                <a16:creationId xmlns:a16="http://schemas.microsoft.com/office/drawing/2014/main" id="{A75E3514-305B-BAF8-1927-2EDBE2335CA1}"/>
               </a:ext>
             </a:extLst>
           </p:cNvPr>
@@ -2542,15 +2033,15 @@
           <p:nvPr/>
         </p:nvPicPr>
         <p:blipFill>
-          <a:blip r:embed="rId8"/>
+          <a:blip r:embed="rId6"/>
           <a:stretch>
             <a:fillRect/>
           </a:stretch>
         </p:blipFill>
         <p:spPr>
           <a:xfrm>
-            <a:off x="11616286" y="14440701"/>
-            <a:ext cx="3165822" cy="3135086"/>
+            <a:off x="548640" y="96340"/>
+            <a:ext cx="43891200" cy="469534"/>
           </a:xfrm>
           <a:prstGeom prst="rect">
             <a:avLst/>
@@ -2559,10 +2050,10 @@
       </p:pic>
       <p:pic>
         <p:nvPicPr>
-          <p:cNvPr id="36" name="Picture 35">
+          <p:cNvPr id="27" name="Picture 26">
             <a:extLst>
               <a:ext uri="{FF2B5EF4-FFF2-40B4-BE49-F238E27FC236}">
-                <a16:creationId xmlns:a16="http://schemas.microsoft.com/office/drawing/2014/main" id="{D25F79F1-9C8B-14A6-4FC4-0DD4F447A85C}"/>
+                <a16:creationId xmlns:a16="http://schemas.microsoft.com/office/drawing/2014/main" id="{D422C146-AB31-0915-557F-CACC993F9D34}"/>
               </a:ext>
             </a:extLst>
           </p:cNvPr>
@@ -2572,160 +2063,30 @@
           <p:nvPr/>
         </p:nvPicPr>
         <p:blipFill>
-          <a:blip r:embed="rId9"/>
+          <a:blip r:embed="rId6"/>
           <a:stretch>
             <a:fillRect/>
           </a:stretch>
         </p:blipFill>
         <p:spPr>
           <a:xfrm>
-            <a:off x="4685509" y="14440701"/>
-            <a:ext cx="3165670" cy="3135086"/>
+            <a:off x="1082040" y="3937260"/>
+            <a:ext cx="43891200" cy="469534"/>
           </a:xfrm>
           <a:prstGeom prst="rect">
             <a:avLst/>
           </a:prstGeom>
         </p:spPr>
       </p:pic>
-      <p:pic>
-        <p:nvPicPr>
-          <p:cNvPr id="38" name="Picture 37">
+      <p:sp>
+        <p:nvSpPr>
+          <p:cNvPr id="2" name="AutoShape 17">
             <a:extLst>
               <a:ext uri="{FF2B5EF4-FFF2-40B4-BE49-F238E27FC236}">
-                <a16:creationId xmlns:a16="http://schemas.microsoft.com/office/drawing/2014/main" id="{3C368EED-C49A-D905-2DF6-5F98FD1B3005}"/>
+                <a16:creationId xmlns:a16="http://schemas.microsoft.com/office/drawing/2014/main" id="{1F78F92D-C4EB-D5C9-FB49-7D120CD11ED6}"/>
               </a:ext>
             </a:extLst>
           </p:cNvPr>
-          <p:cNvPicPr>
-            <a:picLocks/>
-          </p:cNvPicPr>
-          <p:nvPr/>
-        </p:nvPicPr>
-        <p:blipFill>
-          <a:blip r:embed="rId10"/>
-          <a:stretch>
-            <a:fillRect/>
-          </a:stretch>
-        </p:blipFill>
-        <p:spPr>
-          <a:xfrm>
-            <a:off x="6160936" y="18194269"/>
-            <a:ext cx="3166437" cy="3135086"/>
-          </a:xfrm>
-          <a:prstGeom prst="rect">
-            <a:avLst/>
-          </a:prstGeom>
-        </p:spPr>
-      </p:pic>
-      <p:pic>
-        <p:nvPicPr>
-          <p:cNvPr id="40" name="Picture 39">
-            <a:extLst>
-              <a:ext uri="{FF2B5EF4-FFF2-40B4-BE49-F238E27FC236}">
-                <a16:creationId xmlns:a16="http://schemas.microsoft.com/office/drawing/2014/main" id="{95C3BBDA-F2DE-AB8B-0720-C9FAA9D16E48}"/>
-              </a:ext>
-            </a:extLst>
-          </p:cNvPr>
-          <p:cNvPicPr>
-            <a:picLocks noChangeAspect="1"/>
-          </p:cNvPicPr>
-          <p:nvPr/>
-        </p:nvPicPr>
-        <p:blipFill>
-          <a:blip r:embed="rId11"/>
-          <a:stretch>
-            <a:fillRect/>
-          </a:stretch>
-        </p:blipFill>
-        <p:spPr>
-          <a:xfrm>
-            <a:off x="8174669" y="14440702"/>
-            <a:ext cx="3166437" cy="3197180"/>
-          </a:xfrm>
-          <a:prstGeom prst="rect">
-            <a:avLst/>
-          </a:prstGeom>
-        </p:spPr>
-      </p:pic>
-      <p:pic>
-        <p:nvPicPr>
-          <p:cNvPr id="42" name="Picture 41">
-            <a:extLst>
-              <a:ext uri="{FF2B5EF4-FFF2-40B4-BE49-F238E27FC236}">
-                <a16:creationId xmlns:a16="http://schemas.microsoft.com/office/drawing/2014/main" id="{6C6FFD8E-8CB1-3822-9562-994479BC7050}"/>
-              </a:ext>
-            </a:extLst>
-          </p:cNvPr>
-          <p:cNvPicPr>
-            <a:picLocks/>
-          </p:cNvPicPr>
-          <p:nvPr/>
-        </p:nvPicPr>
-        <p:blipFill>
-          <a:blip r:embed="rId12"/>
-          <a:stretch>
-            <a:fillRect/>
-          </a:stretch>
-        </p:blipFill>
-        <p:spPr>
-          <a:xfrm>
-            <a:off x="10452503" y="18194269"/>
-            <a:ext cx="3166437" cy="3135086"/>
-          </a:xfrm>
-          <a:prstGeom prst="rect">
-            <a:avLst/>
-          </a:prstGeom>
-        </p:spPr>
-      </p:pic>
-      <p:pic>
-        <p:nvPicPr>
-          <p:cNvPr id="32" name="Picture 2" descr="Rodney - A Long Time Coming Autonomous Robot (Part 7) - CodeProject">
-            <a:extLst>
-              <a:ext uri="{FF2B5EF4-FFF2-40B4-BE49-F238E27FC236}">
-                <a16:creationId xmlns:a16="http://schemas.microsoft.com/office/drawing/2014/main" id="{E8DA3F8B-C266-8E10-4E8A-59D200684A10}"/>
-              </a:ext>
-            </a:extLst>
-          </p:cNvPr>
-          <p:cNvPicPr>
-            <a:picLocks noChangeAspect="1" noChangeArrowheads="1"/>
-          </p:cNvPicPr>
-          <p:nvPr/>
-        </p:nvPicPr>
-        <p:blipFill>
-          <a:blip r:embed="rId13">
-            <a:extLst>
-              <a:ext uri="{28A0092B-C50C-407E-A947-70E740481C1C}">
-                <a14:useLocalDpi xmlns:a14="http://schemas.microsoft.com/office/drawing/2010/main" val="0"/>
-              </a:ext>
-            </a:extLst>
-          </a:blip>
-          <a:stretch>
-            <a:fillRect/>
-          </a:stretch>
-        </p:blipFill>
-        <p:spPr bwMode="auto">
-          <a:xfrm>
-            <a:off x="18142040" y="22973976"/>
-            <a:ext cx="7892803" cy="4498897"/>
-          </a:xfrm>
-          <a:prstGeom prst="rect">
-            <a:avLst/>
-          </a:prstGeom>
-          <a:noFill/>
-          <a:extLst>
-            <a:ext uri="{909E8E84-426E-40DD-AFC4-6F175D3DCCD1}">
-              <a14:hiddenFill xmlns:a14="http://schemas.microsoft.com/office/drawing/2010/main">
-                <a:solidFill>
-                  <a:srgbClr val="FFFFFF"/>
-                </a:solidFill>
-              </a14:hiddenFill>
-            </a:ext>
-          </a:extLst>
-        </p:spPr>
-      </p:pic>
-      <p:sp>
-        <p:nvSpPr>
-          <p:cNvPr id="37" name="AutoShape 38"/>
           <p:cNvSpPr>
             <a:spLocks noChangeArrowheads="1"/>
           </p:cNvSpPr>
@@ -2733,29 +2094,32 @@
         </p:nvSpPr>
         <p:spPr bwMode="auto">
           <a:xfrm>
-            <a:off x="16272049" y="4482612"/>
-            <a:ext cx="11648189" cy="11233386"/>
+            <a:off x="28680636" y="19910281"/>
+            <a:ext cx="11364684" cy="7935137"/>
           </a:xfrm>
           <a:prstGeom prst="roundRect">
             <a:avLst>
-              <a:gd name="adj" fmla="val 16667"/>
+              <a:gd name="adj" fmla="val 6655"/>
             </a:avLst>
           </a:prstGeom>
-          <a:blipFill>
-            <a:blip r:embed="rId6"/>
-            <a:stretch>
-              <a:fillRect/>
-            </a:stretch>
-          </a:blipFill>
-          <a:ln w="9525">
+          <a:solidFill>
+            <a:srgbClr val="C0C0C0">
+              <a:alpha val="10000"/>
+            </a:srgbClr>
+          </a:solidFill>
+          <a:ln w="76200">
             <a:solidFill>
-              <a:schemeClr val="tx1"/>
+              <a:srgbClr val="53776D"/>
             </a:solidFill>
             <a:round/>
             <a:headEnd/>
             <a:tailEnd/>
           </a:ln>
-          <a:effectLst/>
+          <a:effectLst>
+            <a:innerShdw blurRad="127000">
+              <a:prstClr val="black"/>
+            </a:innerShdw>
+          </a:effectLst>
         </p:spPr>
         <p:txBody>
           <a:bodyPr lIns="66130" tIns="33065" rIns="66130" bIns="33065" anchor="t"/>
@@ -2763,134 +2127,648 @@
           <a:p>
             <a:pPr algn="ctr"/>
             <a:r>
-              <a:rPr lang="en-US" sz="4400" b="1" dirty="0"/>
-              <a:t>Methodology</a:t>
-            </a:r>
+              <a:rPr lang="en-US" sz="4400" b="1" dirty="0">
+                <a:solidFill>
+                  <a:srgbClr val="003400"/>
+                </a:solidFill>
+                <a:latin typeface="Cambo" panose="02000000000000000000" pitchFamily="2" charset="0"/>
+              </a:rPr>
+              <a:t>Title</a:t>
+            </a:r>
+            <a:endParaRPr lang="en-US" sz="3428" b="1" dirty="0">
+              <a:solidFill>
+                <a:srgbClr val="003400"/>
+              </a:solidFill>
+              <a:latin typeface="Cambo" panose="02000000000000000000" pitchFamily="2" charset="0"/>
+            </a:endParaRPr>
+          </a:p>
+          <a:p>
+            <a:pPr marL="457200" indent="-457200">
+              <a:buClr>
+                <a:srgbClr val="519D48"/>
+              </a:buClr>
+              <a:buFont typeface="Arial" panose="020B0604020202020204" pitchFamily="34" charset="0"/>
+              <a:buChar char="•"/>
+            </a:pPr>
+            <a:r>
+              <a:rPr lang="en-US" sz="3428" dirty="0">
+                <a:latin typeface="Lora" pitchFamily="2" charset="0"/>
+              </a:rPr>
+              <a:t>Text</a:t>
+            </a:r>
+            <a:endParaRPr lang="en-US" sz="3428" b="1" dirty="0">
+              <a:latin typeface="Lora" pitchFamily="2" charset="0"/>
+            </a:endParaRPr>
           </a:p>
           <a:p>
             <a:pPr algn="ctr"/>
-            <a:endParaRPr lang="en-US" sz="2205" dirty="0">
-              <a:latin typeface="Times New Roman" pitchFamily="18" charset="0"/>
-            </a:endParaRPr>
+            <a:endParaRPr lang="en-US" sz="343" dirty="0"/>
           </a:p>
         </p:txBody>
       </p:sp>
       <p:sp>
         <p:nvSpPr>
-          <p:cNvPr id="44" name="TextBox 43"/>
-          <p:cNvSpPr txBox="1"/>
+          <p:cNvPr id="5" name="AutoShape 17">
+            <a:extLst>
+              <a:ext uri="{FF2B5EF4-FFF2-40B4-BE49-F238E27FC236}">
+                <a16:creationId xmlns:a16="http://schemas.microsoft.com/office/drawing/2014/main" id="{C21981D1-1765-271D-65E9-9E86FF9F64B7}"/>
+              </a:ext>
+            </a:extLst>
+          </p:cNvPr>
+          <p:cNvSpPr>
+            <a:spLocks noChangeArrowheads="1"/>
+          </p:cNvSpPr>
           <p:nvPr/>
         </p:nvSpPr>
-        <p:spPr>
+        <p:spPr bwMode="auto">
           <a:xfrm>
-            <a:off x="17374622" y="6619290"/>
-            <a:ext cx="10220838" cy="9738563"/>
+            <a:off x="28711116" y="5699387"/>
+            <a:ext cx="11364684" cy="13045812"/>
           </a:xfrm>
-          <a:prstGeom prst="rect">
-            <a:avLst/>
+          <a:prstGeom prst="roundRect">
+            <a:avLst>
+              <a:gd name="adj" fmla="val 6655"/>
+            </a:avLst>
           </a:prstGeom>
-          <a:noFill/>
+          <a:solidFill>
+            <a:srgbClr val="C0C0C0">
+              <a:alpha val="10000"/>
+            </a:srgbClr>
+          </a:solidFill>
+          <a:ln w="76200">
+            <a:solidFill>
+              <a:srgbClr val="53776D"/>
+            </a:solidFill>
+            <a:round/>
+            <a:headEnd/>
+            <a:tailEnd/>
+          </a:ln>
+          <a:effectLst>
+            <a:innerShdw blurRad="127000">
+              <a:prstClr val="black"/>
+            </a:innerShdw>
+          </a:effectLst>
         </p:spPr>
         <p:txBody>
-          <a:bodyPr wrap="square" rtlCol="0">
-            <a:spAutoFit/>
-          </a:bodyPr>
+          <a:bodyPr lIns="66130" tIns="33065" rIns="66130" bIns="33065" anchor="t"/>
           <a:lstStyle/>
           <a:p>
-            <a:r>
-              <a:rPr lang="en-US" sz="3134" b="1" dirty="0">
-                <a:latin typeface="+mn-lt"/>
-              </a:rPr>
-              <a:t>The IRobot Create3 platform is an all-in-one robot development platform used to learn about ROS2. It was developed by IRobot, the company that makes Roomba, as an educational tool to teach students robotics.</a:t>
-            </a:r>
-          </a:p>
-          <a:p>
-            <a:endParaRPr lang="en-US" sz="3134" b="1" dirty="0">
-              <a:latin typeface="+mn-lt"/>
+            <a:pPr algn="ctr"/>
+            <a:r>
+              <a:rPr lang="en-US" sz="4400" b="1" dirty="0">
+                <a:solidFill>
+                  <a:srgbClr val="003400"/>
+                </a:solidFill>
+                <a:latin typeface="Cambo" panose="02000000000000000000" pitchFamily="2" charset="0"/>
+              </a:rPr>
+              <a:t>Systems Used</a:t>
+            </a:r>
+            <a:endParaRPr lang="en-US" sz="3428" b="1" dirty="0">
+              <a:solidFill>
+                <a:srgbClr val="003400"/>
+              </a:solidFill>
+              <a:latin typeface="Cambo" panose="02000000000000000000" pitchFamily="2" charset="0"/>
             </a:endParaRPr>
           </a:p>
           <a:p>
-            <a:r>
-              <a:rPr lang="en-US" sz="3134" b="1" dirty="0">
-                <a:latin typeface="+mn-lt"/>
-              </a:rPr>
-              <a:t>ROS2, or Robot Operating System 2, is an operating system like Windows that is specifically made for robots. Is has all the features need to interact and program with ready-made robot systems like the Create3 Platform</a:t>
-            </a:r>
-          </a:p>
-          <a:p>
-            <a:endParaRPr lang="en-US" sz="3134" b="1" dirty="0">
-              <a:latin typeface="+mn-lt"/>
-            </a:endParaRPr>
-          </a:p>
-          <a:p>
-            <a:r>
-              <a:rPr lang="en-US" sz="3134" b="1" dirty="0">
-                <a:latin typeface="+mn-lt"/>
-              </a:rPr>
-              <a:t>RVIZ2, or ROS Virtualization is a powerful 3D Visualization tool used by ROS to visualize your robot and it’s sensors. We use this software along with our Lidar to map a room and keep track of our robot within the room!</a:t>
-            </a:r>
-          </a:p>
-          <a:p>
-            <a:endParaRPr lang="en-US" sz="3134" b="1" dirty="0">
-              <a:latin typeface="+mn-lt"/>
-            </a:endParaRPr>
-          </a:p>
-          <a:p>
-            <a:endParaRPr lang="en-US" sz="3134" b="1" dirty="0">
-              <a:latin typeface="+mn-lt"/>
-            </a:endParaRPr>
-          </a:p>
-          <a:p>
-            <a:endParaRPr lang="en-US" sz="3134" b="1" dirty="0">
-              <a:latin typeface="+mn-lt"/>
-            </a:endParaRPr>
+            <a:pPr marL="457200" indent="-457200">
+              <a:buClr>
+                <a:srgbClr val="519D48"/>
+              </a:buClr>
+              <a:buFont typeface="Arial" panose="020B0604020202020204" pitchFamily="34" charset="0"/>
+              <a:buChar char="•"/>
+            </a:pPr>
+            <a:r>
+              <a:rPr lang="en-US" sz="3428" dirty="0">
+                <a:latin typeface="Lora" pitchFamily="2" charset="0"/>
+              </a:rPr>
+              <a:t>The backend is built in Python with ChromaDB and Ollama</a:t>
+            </a:r>
+          </a:p>
+          <a:p>
+            <a:pPr marL="457200" indent="-457200">
+              <a:buClr>
+                <a:srgbClr val="519D48"/>
+              </a:buClr>
+              <a:buFont typeface="Arial" panose="020B0604020202020204" pitchFamily="34" charset="0"/>
+              <a:buChar char="•"/>
+            </a:pPr>
+            <a:r>
+              <a:rPr lang="en-US" sz="3428" dirty="0">
+                <a:latin typeface="Lora" pitchFamily="2" charset="0"/>
+              </a:rPr>
+              <a:t>We used llama 3.2 for our LLM</a:t>
+            </a:r>
+          </a:p>
+          <a:p>
+            <a:pPr marL="457200" indent="-457200">
+              <a:buClr>
+                <a:srgbClr val="519D48"/>
+              </a:buClr>
+              <a:buFont typeface="Arial" panose="020B0604020202020204" pitchFamily="34" charset="0"/>
+              <a:buChar char="•"/>
+            </a:pPr>
+            <a:r>
+              <a:rPr lang="en-US" sz="3428" dirty="0">
+                <a:latin typeface="Lora" pitchFamily="2" charset="0"/>
+              </a:rPr>
+              <a:t>The user interface was made with JavaScript and HTML/CSS</a:t>
+            </a:r>
+          </a:p>
+          <a:p>
+            <a:pPr marL="457200" indent="-457200">
+              <a:buClr>
+                <a:srgbClr val="519D48"/>
+              </a:buClr>
+              <a:buFont typeface="Arial" panose="020B0604020202020204" pitchFamily="34" charset="0"/>
+              <a:buChar char="•"/>
+            </a:pPr>
+            <a:r>
+              <a:rPr lang="en-US" sz="3428" dirty="0">
+                <a:latin typeface="Lora" pitchFamily="2" charset="0"/>
+              </a:rPr>
+              <a:t>Testing supplemented by XAMPP</a:t>
+            </a:r>
+          </a:p>
+          <a:p>
+            <a:pPr algn="ctr"/>
+            <a:endParaRPr lang="en-US" sz="343" dirty="0"/>
           </a:p>
         </p:txBody>
       </p:sp>
-      <p:pic>
-        <p:nvPicPr>
-          <p:cNvPr id="1026" name="Picture 2" descr="A* Optimizations and Improvements | JumpPointSearch"/>
-          <p:cNvPicPr>
-            <a:picLocks noChangeAspect="1" noChangeArrowheads="1"/>
-          </p:cNvPicPr>
-          <p:nvPr/>
-        </p:nvPicPr>
-        <p:blipFill>
-          <a:blip r:embed="rId14">
+      <p:sp>
+        <p:nvSpPr>
+          <p:cNvPr id="7" name="AutoShape 17">
             <a:extLst>
-              <a:ext uri="{28A0092B-C50C-407E-A947-70E740481C1C}">
-                <a14:useLocalDpi xmlns:a14="http://schemas.microsoft.com/office/drawing/2010/main" val="0"/>
+              <a:ext uri="{FF2B5EF4-FFF2-40B4-BE49-F238E27FC236}">
+                <a16:creationId xmlns:a16="http://schemas.microsoft.com/office/drawing/2014/main" id="{CDB50B6F-B9B5-216A-3A45-C0E928B72599}"/>
               </a:ext>
             </a:extLst>
-          </a:blip>
-          <a:srcRect/>
-          <a:stretch>
-            <a:fillRect/>
-          </a:stretch>
-        </p:blipFill>
+          </p:cNvPr>
+          <p:cNvSpPr>
+            <a:spLocks noChangeArrowheads="1"/>
+          </p:cNvSpPr>
+          <p:nvPr/>
+        </p:nvSpPr>
         <p:spPr bwMode="auto">
           <a:xfrm>
-            <a:off x="30320049" y="13068063"/>
-            <a:ext cx="8125832" cy="6255778"/>
+            <a:off x="16176925" y="16119859"/>
+            <a:ext cx="11688702" cy="11725560"/>
           </a:xfrm>
-          <a:prstGeom prst="rect">
-            <a:avLst/>
+          <a:prstGeom prst="roundRect">
+            <a:avLst>
+              <a:gd name="adj" fmla="val 6655"/>
+            </a:avLst>
           </a:prstGeom>
-          <a:noFill/>
-          <a:extLst>
-            <a:ext uri="{909E8E84-426E-40DD-AFC4-6F175D3DCCD1}">
-              <a14:hiddenFill xmlns:a14="http://schemas.microsoft.com/office/drawing/2010/main">
+          <a:solidFill>
+            <a:srgbClr val="C0C0C0">
+              <a:alpha val="10000"/>
+            </a:srgbClr>
+          </a:solidFill>
+          <a:ln w="76200">
+            <a:solidFill>
+              <a:srgbClr val="53776D"/>
+            </a:solidFill>
+            <a:round/>
+            <a:headEnd/>
+            <a:tailEnd/>
+          </a:ln>
+          <a:effectLst>
+            <a:innerShdw blurRad="127000">
+              <a:prstClr val="black"/>
+            </a:innerShdw>
+          </a:effectLst>
+        </p:spPr>
+        <p:txBody>
+          <a:bodyPr lIns="66130" tIns="33065" rIns="66130" bIns="33065" anchor="t"/>
+          <a:lstStyle/>
+          <a:p>
+            <a:pPr algn="ctr"/>
+            <a:r>
+              <a:rPr lang="en-US" sz="4400" b="1" dirty="0">
                 <a:solidFill>
-                  <a:srgbClr val="FFFFFF"/>
+                  <a:srgbClr val="003400"/>
                 </a:solidFill>
-              </a14:hiddenFill>
-            </a:ext>
-          </a:extLst>
-        </p:spPr>
-      </p:pic>
+                <a:latin typeface="Cambo" panose="02000000000000000000" pitchFamily="2" charset="0"/>
+              </a:rPr>
+              <a:t>Results</a:t>
+            </a:r>
+            <a:endParaRPr lang="en-US" sz="3428" b="1" dirty="0">
+              <a:solidFill>
+                <a:srgbClr val="003400"/>
+              </a:solidFill>
+              <a:latin typeface="Cambo" panose="02000000000000000000" pitchFamily="2" charset="0"/>
+            </a:endParaRPr>
+          </a:p>
+          <a:p>
+            <a:pPr marL="457200" indent="-457200">
+              <a:buClr>
+                <a:srgbClr val="519D48"/>
+              </a:buClr>
+              <a:buFont typeface="Arial" panose="020B0604020202020204" pitchFamily="34" charset="0"/>
+              <a:buChar char="•"/>
+            </a:pPr>
+            <a:r>
+              <a:rPr lang="en-US" sz="3428" dirty="0">
+                <a:latin typeface="Lora" pitchFamily="2" charset="0"/>
+              </a:rPr>
+              <a:t>The chat tutor is fully-functional and will answer students’ queries, generating accurate responses</a:t>
+            </a:r>
+          </a:p>
+          <a:p>
+            <a:pPr marL="457200" indent="-457200">
+              <a:buClr>
+                <a:srgbClr val="519D48"/>
+              </a:buClr>
+              <a:buFont typeface="Arial" panose="020B0604020202020204" pitchFamily="34" charset="0"/>
+              <a:buChar char="•"/>
+            </a:pPr>
+            <a:r>
+              <a:rPr lang="en-US" sz="3428" dirty="0">
+                <a:latin typeface="Lora" pitchFamily="2" charset="0"/>
+              </a:rPr>
+              <a:t>The responses cite the section of the textbook that the information is retrieved from</a:t>
+            </a:r>
+          </a:p>
+          <a:p>
+            <a:pPr marL="457200" indent="-457200">
+              <a:buClr>
+                <a:srgbClr val="519D48"/>
+              </a:buClr>
+              <a:buFont typeface="Arial" panose="020B0604020202020204" pitchFamily="34" charset="0"/>
+              <a:buChar char="•"/>
+            </a:pPr>
+            <a:r>
+              <a:rPr lang="en-US" sz="3428" dirty="0">
+                <a:latin typeface="Lora" pitchFamily="2" charset="0"/>
+              </a:rPr>
+              <a:t>The Python RAG pipeline is slightly more resource intensive than a C++ build, but is still effective and developer-friendly</a:t>
+            </a:r>
+          </a:p>
+          <a:p>
+            <a:pPr marL="457200" indent="-457200">
+              <a:buClr>
+                <a:srgbClr val="519D48"/>
+              </a:buClr>
+              <a:buFont typeface="Arial" panose="020B0604020202020204" pitchFamily="34" charset="0"/>
+              <a:buChar char="•"/>
+            </a:pPr>
+            <a:r>
+              <a:rPr lang="en-US" sz="3428" dirty="0">
+                <a:latin typeface="Lora" pitchFamily="2" charset="0"/>
+              </a:rPr>
+              <a:t>Anyone can host the API and tailor it to their needs</a:t>
+            </a:r>
+            <a:endParaRPr lang="en-US" sz="3428" b="1" dirty="0"/>
+          </a:p>
+          <a:p>
+            <a:pPr algn="ctr"/>
+            <a:endParaRPr lang="en-US" sz="343" dirty="0"/>
+          </a:p>
+        </p:txBody>
+      </p:sp>
       <p:sp>
         <p:nvSpPr>
-          <p:cNvPr id="45" name="AutoShape 23"/>
+          <p:cNvPr id="11" name="AutoShape 17">
+            <a:extLst>
+              <a:ext uri="{FF2B5EF4-FFF2-40B4-BE49-F238E27FC236}">
+                <a16:creationId xmlns:a16="http://schemas.microsoft.com/office/drawing/2014/main" id="{F8AC075F-E99C-9FBC-D412-2096E1476BC9}"/>
+              </a:ext>
+            </a:extLst>
+          </p:cNvPr>
+          <p:cNvSpPr>
+            <a:spLocks noChangeArrowheads="1"/>
+          </p:cNvSpPr>
+          <p:nvPr/>
+        </p:nvSpPr>
+        <p:spPr bwMode="auto">
+          <a:xfrm>
+            <a:off x="4101445" y="23767038"/>
+            <a:ext cx="11364684" cy="8156759"/>
+          </a:xfrm>
+          <a:prstGeom prst="roundRect">
+            <a:avLst>
+              <a:gd name="adj" fmla="val 6655"/>
+            </a:avLst>
+          </a:prstGeom>
+          <a:solidFill>
+            <a:srgbClr val="C0C0C0">
+              <a:alpha val="10000"/>
+            </a:srgbClr>
+          </a:solidFill>
+          <a:ln w="76200">
+            <a:solidFill>
+              <a:srgbClr val="53776D"/>
+            </a:solidFill>
+            <a:round/>
+            <a:headEnd/>
+            <a:tailEnd/>
+          </a:ln>
+          <a:effectLst>
+            <a:innerShdw blurRad="127000">
+              <a:prstClr val="black"/>
+            </a:innerShdw>
+          </a:effectLst>
+        </p:spPr>
+        <p:txBody>
+          <a:bodyPr lIns="66130" tIns="33065" rIns="66130" bIns="33065" anchor="t"/>
+          <a:lstStyle/>
+          <a:p>
+            <a:pPr algn="ctr"/>
+            <a:r>
+              <a:rPr lang="en-US" sz="4400" b="1" dirty="0">
+                <a:solidFill>
+                  <a:srgbClr val="003400"/>
+                </a:solidFill>
+                <a:latin typeface="Cambo" panose="02000000000000000000" pitchFamily="2" charset="0"/>
+              </a:rPr>
+              <a:t>Methodology</a:t>
+            </a:r>
+            <a:endParaRPr lang="en-US" sz="3428" b="1" dirty="0">
+              <a:solidFill>
+                <a:srgbClr val="003400"/>
+              </a:solidFill>
+              <a:latin typeface="Cambo" panose="02000000000000000000" pitchFamily="2" charset="0"/>
+            </a:endParaRPr>
+          </a:p>
+          <a:p>
+            <a:pPr marL="457200" indent="-457200">
+              <a:buClr>
+                <a:srgbClr val="519D48"/>
+              </a:buClr>
+              <a:buFont typeface="Arial" panose="020B0604020202020204" pitchFamily="34" charset="0"/>
+              <a:buChar char="•"/>
+            </a:pPr>
+            <a:r>
+              <a:rPr lang="en-US" sz="3428" dirty="0">
+                <a:latin typeface="Lora" pitchFamily="2" charset="0"/>
+              </a:rPr>
+              <a:t>We utilized text from ZyBooks as our data files</a:t>
+            </a:r>
+          </a:p>
+          <a:p>
+            <a:pPr marL="457200" indent="-457200">
+              <a:buClr>
+                <a:srgbClr val="519D48"/>
+              </a:buClr>
+              <a:buFont typeface="Arial" panose="020B0604020202020204" pitchFamily="34" charset="0"/>
+              <a:buChar char="•"/>
+            </a:pPr>
+            <a:r>
+              <a:rPr lang="en-US" sz="3428" dirty="0">
+                <a:latin typeface="Lora" pitchFamily="2" charset="0"/>
+              </a:rPr>
+              <a:t>The textbook provided updated, accurate information to supplement the LLM in response to user queries</a:t>
+            </a:r>
+          </a:p>
+          <a:p>
+            <a:pPr marL="457200" indent="-457200">
+              <a:buClr>
+                <a:srgbClr val="519D48"/>
+              </a:buClr>
+              <a:buFont typeface="Arial" panose="020B0604020202020204" pitchFamily="34" charset="0"/>
+              <a:buChar char="•"/>
+            </a:pPr>
+            <a:r>
+              <a:rPr lang="en-US" sz="3428" dirty="0">
+                <a:latin typeface="Lora" pitchFamily="2" charset="0"/>
+              </a:rPr>
+              <a:t>We began implementing the tutor by communicating with the LLM and then integrating the RAG system</a:t>
+            </a:r>
+          </a:p>
+          <a:p>
+            <a:pPr marL="457200" indent="-457200">
+              <a:buClr>
+                <a:srgbClr val="519D48"/>
+              </a:buClr>
+              <a:buFont typeface="Arial" panose="020B0604020202020204" pitchFamily="34" charset="0"/>
+              <a:buChar char="•"/>
+            </a:pPr>
+            <a:r>
+              <a:rPr lang="en-US" sz="3428" dirty="0">
+                <a:latin typeface="Lora" pitchFamily="2" charset="0"/>
+              </a:rPr>
+              <a:t>Backend is an API so anyone can attach a front-end of their preference</a:t>
+            </a:r>
+            <a:endParaRPr lang="en-US" sz="343" dirty="0"/>
+          </a:p>
+        </p:txBody>
+      </p:sp>
+      <p:sp>
+        <p:nvSpPr>
+          <p:cNvPr id="12" name="AutoShape 17">
+            <a:extLst>
+              <a:ext uri="{FF2B5EF4-FFF2-40B4-BE49-F238E27FC236}">
+                <a16:creationId xmlns:a16="http://schemas.microsoft.com/office/drawing/2014/main" id="{1C17BAE6-6A5B-BA7D-1C2E-EDB47D0DAE33}"/>
+              </a:ext>
+            </a:extLst>
+          </p:cNvPr>
+          <p:cNvSpPr>
+            <a:spLocks noChangeArrowheads="1"/>
+          </p:cNvSpPr>
+          <p:nvPr/>
+        </p:nvSpPr>
+        <p:spPr bwMode="auto">
+          <a:xfrm>
+            <a:off x="4000969" y="13229795"/>
+            <a:ext cx="11364684" cy="9286244"/>
+          </a:xfrm>
+          <a:prstGeom prst="roundRect">
+            <a:avLst>
+              <a:gd name="adj" fmla="val 6655"/>
+            </a:avLst>
+          </a:prstGeom>
+          <a:solidFill>
+            <a:srgbClr val="C0C0C0">
+              <a:alpha val="10000"/>
+            </a:srgbClr>
+          </a:solidFill>
+          <a:ln w="76200">
+            <a:solidFill>
+              <a:srgbClr val="53776D"/>
+            </a:solidFill>
+            <a:round/>
+            <a:headEnd/>
+            <a:tailEnd/>
+          </a:ln>
+          <a:effectLst>
+            <a:innerShdw blurRad="127000">
+              <a:prstClr val="black"/>
+            </a:innerShdw>
+          </a:effectLst>
+        </p:spPr>
+        <p:txBody>
+          <a:bodyPr lIns="66130" tIns="33065" rIns="66130" bIns="33065" anchor="t"/>
+          <a:lstStyle/>
+          <a:p>
+            <a:pPr algn="ctr"/>
+            <a:r>
+              <a:rPr lang="en-US" sz="4400" b="1" dirty="0">
+                <a:solidFill>
+                  <a:srgbClr val="003400"/>
+                </a:solidFill>
+                <a:latin typeface="Cambo" panose="02000000000000000000" pitchFamily="2" charset="0"/>
+              </a:rPr>
+              <a:t>Challenges</a:t>
+            </a:r>
+            <a:endParaRPr lang="en-US" sz="3428" b="1" dirty="0">
+              <a:solidFill>
+                <a:srgbClr val="003400"/>
+              </a:solidFill>
+              <a:latin typeface="Cambo" panose="02000000000000000000" pitchFamily="2" charset="0"/>
+            </a:endParaRPr>
+          </a:p>
+          <a:p>
+            <a:pPr marL="457200" indent="-457200">
+              <a:buClr>
+                <a:srgbClr val="519D48"/>
+              </a:buClr>
+              <a:buFont typeface="Arial" panose="020B0604020202020204" pitchFamily="34" charset="0"/>
+              <a:buChar char="•"/>
+            </a:pPr>
+            <a:r>
+              <a:rPr lang="en-US" sz="3428" dirty="0">
+                <a:latin typeface="Lora" pitchFamily="2" charset="0"/>
+              </a:rPr>
+              <a:t>Our goal was to create an effective, concise RAG tutor for an introductory C++ course</a:t>
+            </a:r>
+          </a:p>
+          <a:p>
+            <a:pPr marL="457200" indent="-457200">
+              <a:buClr>
+                <a:srgbClr val="519D48"/>
+              </a:buClr>
+              <a:buFont typeface="Arial" panose="020B0604020202020204" pitchFamily="34" charset="0"/>
+              <a:buChar char="•"/>
+            </a:pPr>
+            <a:r>
+              <a:rPr lang="en-US" sz="3428" dirty="0">
+                <a:latin typeface="Lora" pitchFamily="2" charset="0"/>
+              </a:rPr>
+              <a:t>Initial challenges included:</a:t>
+            </a:r>
+          </a:p>
+          <a:p>
+            <a:pPr marL="2807675" lvl="1" indent="-457200">
+              <a:buClr>
+                <a:srgbClr val="519D48"/>
+              </a:buClr>
+              <a:buFont typeface="Arial" panose="020B0604020202020204" pitchFamily="34" charset="0"/>
+              <a:buChar char="•"/>
+            </a:pPr>
+            <a:r>
+              <a:rPr lang="en-US" sz="3428" dirty="0">
+                <a:latin typeface="Lora" pitchFamily="2" charset="0"/>
+              </a:rPr>
+              <a:t>implementation in C++ itself</a:t>
+            </a:r>
+          </a:p>
+          <a:p>
+            <a:pPr marL="2807675" lvl="1" indent="-457200">
+              <a:buClr>
+                <a:srgbClr val="519D48"/>
+              </a:buClr>
+              <a:buFont typeface="Arial" panose="020B0604020202020204" pitchFamily="34" charset="0"/>
+              <a:buChar char="•"/>
+            </a:pPr>
+            <a:r>
+              <a:rPr lang="en-US" sz="3428" dirty="0">
+                <a:latin typeface="Lora" pitchFamily="2" charset="0"/>
+              </a:rPr>
+              <a:t>communication within the RAG pipeline</a:t>
+            </a:r>
+          </a:p>
+          <a:p>
+            <a:pPr marL="2807675" lvl="1" indent="-457200">
+              <a:buClr>
+                <a:srgbClr val="519D48"/>
+              </a:buClr>
+              <a:buFont typeface="Arial" panose="020B0604020202020204" pitchFamily="34" charset="0"/>
+              <a:buChar char="•"/>
+            </a:pPr>
+            <a:r>
+              <a:rPr lang="en-US" sz="3428" dirty="0">
+                <a:latin typeface="Lora" pitchFamily="2" charset="0"/>
+              </a:rPr>
+              <a:t>the lack of supported vector database libraries in C++ forced us to use a Python framework</a:t>
+            </a:r>
+          </a:p>
+          <a:p>
+            <a:pPr marL="457200" indent="-457200">
+              <a:buClr>
+                <a:srgbClr val="519D48"/>
+              </a:buClr>
+              <a:buFont typeface="Arial" panose="020B0604020202020204" pitchFamily="34" charset="0"/>
+              <a:buChar char="•"/>
+            </a:pPr>
+            <a:r>
+              <a:rPr lang="en-US" sz="3428" dirty="0">
+                <a:latin typeface="Lora" pitchFamily="2" charset="0"/>
+              </a:rPr>
+              <a:t>Other challenges encountered:</a:t>
+            </a:r>
+          </a:p>
+          <a:p>
+            <a:pPr marL="2807675" lvl="1" indent="-457200">
+              <a:buClr>
+                <a:srgbClr val="519D48"/>
+              </a:buClr>
+              <a:buFont typeface="Arial" panose="020B0604020202020204" pitchFamily="34" charset="0"/>
+              <a:buChar char="•"/>
+            </a:pPr>
+            <a:r>
+              <a:rPr lang="en-US" sz="3428" dirty="0">
+                <a:latin typeface="Lora" pitchFamily="2" charset="0"/>
+              </a:rPr>
+              <a:t>how to generate the most accurate responses based on the data files we supplied the RAG</a:t>
+            </a:r>
+          </a:p>
+          <a:p>
+            <a:pPr marL="2807675" lvl="1" indent="-457200">
+              <a:buClr>
+                <a:srgbClr val="519D48"/>
+              </a:buClr>
+              <a:buFont typeface="Arial" panose="020B0604020202020204" pitchFamily="34" charset="0"/>
+              <a:buChar char="•"/>
+            </a:pPr>
+            <a:r>
+              <a:rPr lang="en-US" sz="3428" dirty="0">
+                <a:latin typeface="Lora" pitchFamily="2" charset="0"/>
+              </a:rPr>
+              <a:t>how to minimize hallucination</a:t>
+            </a:r>
+          </a:p>
+          <a:p>
+            <a:pPr marL="2807675" lvl="1" indent="-457200">
+              <a:buClr>
+                <a:srgbClr val="519D48"/>
+              </a:buClr>
+              <a:buFont typeface="Arial" panose="020B0604020202020204" pitchFamily="34" charset="0"/>
+              <a:buChar char="•"/>
+            </a:pPr>
+            <a:r>
+              <a:rPr lang="en-US" sz="3428" dirty="0">
+                <a:latin typeface="Lora" pitchFamily="2" charset="0"/>
+              </a:rPr>
+              <a:t>inappropriate answers</a:t>
+            </a:r>
+            <a:endParaRPr lang="en-US" sz="3428" b="1" dirty="0"/>
+          </a:p>
+          <a:p>
+            <a:pPr algn="ctr"/>
+            <a:endParaRPr lang="en-US" sz="343" dirty="0"/>
+          </a:p>
+        </p:txBody>
+      </p:sp>
+      <p:sp>
+        <p:nvSpPr>
+          <p:cNvPr id="13" name="AutoShape 17">
+            <a:extLst>
+              <a:ext uri="{FF2B5EF4-FFF2-40B4-BE49-F238E27FC236}">
+                <a16:creationId xmlns:a16="http://schemas.microsoft.com/office/drawing/2014/main" id="{992979FD-8878-9A8B-57DF-7E244E2A2AAD}"/>
+              </a:ext>
+            </a:extLst>
+          </p:cNvPr>
           <p:cNvSpPr>
             <a:spLocks noChangeArrowheads="1"/>
           </p:cNvSpPr>
@@ -2899,28 +2777,31 @@
         <p:spPr bwMode="auto">
           <a:xfrm>
             <a:off x="16413800" y="29010502"/>
-            <a:ext cx="23627786" cy="3218076"/>
+            <a:ext cx="23623838" cy="2873202"/>
           </a:xfrm>
           <a:prstGeom prst="roundRect">
             <a:avLst>
-              <a:gd name="adj" fmla="val 10593"/>
+              <a:gd name="adj" fmla="val 6655"/>
             </a:avLst>
           </a:prstGeom>
-          <a:blipFill>
-            <a:blip r:embed="rId6"/>
-            <a:stretch>
-              <a:fillRect/>
-            </a:stretch>
-          </a:blipFill>
-          <a:ln w="9525">
+          <a:solidFill>
+            <a:srgbClr val="C0C0C0">
+              <a:alpha val="10000"/>
+            </a:srgbClr>
+          </a:solidFill>
+          <a:ln w="76200">
             <a:solidFill>
-              <a:schemeClr val="tx1"/>
+              <a:srgbClr val="53776D"/>
             </a:solidFill>
             <a:round/>
             <a:headEnd/>
             <a:tailEnd/>
           </a:ln>
-          <a:effectLst/>
+          <a:effectLst>
+            <a:innerShdw blurRad="127000">
+              <a:prstClr val="black"/>
+            </a:innerShdw>
+          </a:effectLst>
         </p:spPr>
         <p:txBody>
           <a:bodyPr lIns="66130" tIns="33065" rIns="66130" bIns="33065" anchor="t"/>
@@ -2928,45 +2809,218 @@
           <a:p>
             <a:pPr algn="ctr"/>
             <a:r>
-              <a:rPr lang="en-US" sz="4310" b="1" dirty="0"/>
-              <a:t>References</a:t>
-            </a:r>
-          </a:p>
-          <a:p>
-            <a:r>
-              <a:rPr lang="en-US" sz="3137" b="1" dirty="0"/>
-              <a:t>1. JPS+ - Steve Rabin </a:t>
-            </a:r>
-            <a:r>
-              <a:rPr lang="en-US" sz="3137" b="1" i="1" dirty="0"/>
-              <a:t>et al</a:t>
-            </a:r>
-            <a:r>
-              <a:rPr lang="en-US" sz="3137" b="1" dirty="0"/>
-              <a:t>,  </a:t>
-            </a:r>
-            <a:r>
-              <a:rPr lang="en-US" sz="3137" b="1" i="1" dirty="0"/>
-              <a:t>An Extreme A* Speed Optimization for Static Uniform Cost Grids, 2019</a:t>
-            </a:r>
-          </a:p>
-          <a:p>
-            <a:r>
-              <a:rPr lang="en-US" sz="3137" b="1" dirty="0"/>
-              <a:t>2. A* - Nils Nilsson </a:t>
-            </a:r>
-            <a:r>
-              <a:rPr lang="en-US" sz="3137" b="1" i="1" dirty="0"/>
-              <a:t>et al</a:t>
-            </a:r>
-            <a:r>
-              <a:rPr lang="en-US" sz="3137" b="1" dirty="0"/>
-              <a:t>, </a:t>
-            </a:r>
-            <a:r>
-              <a:rPr lang="en-US" sz="3137" b="1" i="1" dirty="0"/>
-              <a:t>A Formal Basis for the Heuristic Determination of Minimum Cost Path, 1986</a:t>
-            </a:r>
+              <a:rPr lang="en-US" sz="4400" b="1" dirty="0">
+                <a:solidFill>
+                  <a:srgbClr val="003400"/>
+                </a:solidFill>
+                <a:latin typeface="Cambo" panose="02000000000000000000" pitchFamily="2" charset="0"/>
+              </a:rPr>
+              <a:t>Conclusion</a:t>
+            </a:r>
+            <a:endParaRPr lang="en-US" sz="3428" b="1" dirty="0">
+              <a:solidFill>
+                <a:srgbClr val="003400"/>
+              </a:solidFill>
+              <a:latin typeface="Cambo" panose="02000000000000000000" pitchFamily="2" charset="0"/>
+            </a:endParaRPr>
+          </a:p>
+          <a:p>
+            <a:pPr marL="457200" indent="-457200">
+              <a:buClr>
+                <a:srgbClr val="519D48"/>
+              </a:buClr>
+              <a:buFont typeface="Arial" panose="020B0604020202020204" pitchFamily="34" charset="0"/>
+              <a:buChar char="•"/>
+            </a:pPr>
+            <a:r>
+              <a:rPr lang="en-US" sz="3428" dirty="0">
+                <a:latin typeface="Lora" pitchFamily="2" charset="0"/>
+              </a:rPr>
+              <a:t>An effective Python implementation that provides concise answers to user queries</a:t>
+            </a:r>
+          </a:p>
+          <a:p>
+            <a:pPr marL="457200" indent="-457200">
+              <a:buClr>
+                <a:srgbClr val="519D48"/>
+              </a:buClr>
+              <a:buFont typeface="Arial" panose="020B0604020202020204" pitchFamily="34" charset="0"/>
+              <a:buChar char="•"/>
+            </a:pPr>
+            <a:r>
+              <a:rPr lang="en-US" sz="3428" dirty="0">
+                <a:latin typeface="Lora" pitchFamily="2" charset="0"/>
+              </a:rPr>
+              <a:t>A great tool for any beginning programmer in C++</a:t>
+            </a:r>
+          </a:p>
+          <a:p>
+            <a:pPr marL="457200" indent="-457200">
+              <a:buClr>
+                <a:srgbClr val="519D48"/>
+              </a:buClr>
+              <a:buFont typeface="Arial" panose="020B0604020202020204" pitchFamily="34" charset="0"/>
+              <a:buChar char="•"/>
+            </a:pPr>
+            <a:r>
+              <a:rPr lang="en-US" sz="3428" dirty="0">
+                <a:latin typeface="Lora" pitchFamily="2" charset="0"/>
+              </a:rPr>
+              <a:t>Bulit as an API, the RAG framework allows for custom frontends</a:t>
+            </a:r>
+          </a:p>
+          <a:p>
+            <a:pPr algn="ctr"/>
+            <a:endParaRPr lang="en-US" sz="343" dirty="0"/>
+          </a:p>
+        </p:txBody>
+      </p:sp>
+      <p:sp>
+        <p:nvSpPr>
+          <p:cNvPr id="14" name="AutoShape 17">
+            <a:extLst>
+              <a:ext uri="{FF2B5EF4-FFF2-40B4-BE49-F238E27FC236}">
+                <a16:creationId xmlns:a16="http://schemas.microsoft.com/office/drawing/2014/main" id="{1DF56FE7-2B1D-279D-DC56-0F8CEF9A746A}"/>
+              </a:ext>
+            </a:extLst>
+          </p:cNvPr>
+          <p:cNvSpPr>
+            <a:spLocks noChangeArrowheads="1"/>
+          </p:cNvSpPr>
+          <p:nvPr/>
+        </p:nvSpPr>
+        <p:spPr bwMode="auto">
+          <a:xfrm>
+            <a:off x="16176925" y="5743371"/>
+            <a:ext cx="11688702" cy="9242259"/>
+          </a:xfrm>
+          <a:prstGeom prst="roundRect">
+            <a:avLst>
+              <a:gd name="adj" fmla="val 6655"/>
+            </a:avLst>
+          </a:prstGeom>
+          <a:solidFill>
+            <a:srgbClr val="C0C0C0">
+              <a:alpha val="10000"/>
+            </a:srgbClr>
+          </a:solidFill>
+          <a:ln w="76200">
+            <a:solidFill>
+              <a:srgbClr val="53776D"/>
+            </a:solidFill>
+            <a:round/>
+            <a:headEnd/>
+            <a:tailEnd/>
+          </a:ln>
+          <a:effectLst>
+            <a:innerShdw blurRad="127000">
+              <a:prstClr val="black"/>
+            </a:innerShdw>
+          </a:effectLst>
+        </p:spPr>
+        <p:txBody>
+          <a:bodyPr lIns="66130" tIns="33065" rIns="66130" bIns="33065" anchor="t"/>
+          <a:lstStyle/>
+          <a:p>
+            <a:pPr algn="ctr"/>
+            <a:r>
+              <a:rPr lang="en-US" sz="4400" b="1" dirty="0">
+                <a:solidFill>
+                  <a:srgbClr val="003400"/>
+                </a:solidFill>
+                <a:latin typeface="Cambo" panose="02000000000000000000" pitchFamily="2" charset="0"/>
+              </a:rPr>
+              <a:t>Retrieval-Augmented Generation (RAG)</a:t>
+            </a:r>
+            <a:endParaRPr lang="en-US" sz="3428" b="1" dirty="0">
+              <a:solidFill>
+                <a:srgbClr val="003400"/>
+              </a:solidFill>
+              <a:latin typeface="Cambo" panose="02000000000000000000" pitchFamily="2" charset="0"/>
+            </a:endParaRPr>
+          </a:p>
+          <a:p>
+            <a:pPr marL="457200" indent="-457200">
+              <a:buClr>
+                <a:srgbClr val="519D48"/>
+              </a:buClr>
+              <a:buFont typeface="Arial" panose="020B0604020202020204" pitchFamily="34" charset="0"/>
+              <a:buChar char="•"/>
+            </a:pPr>
+            <a:r>
+              <a:rPr lang="en-US" sz="3428" dirty="0">
+                <a:latin typeface="Lora" pitchFamily="2" charset="0"/>
+              </a:rPr>
+              <a:t>This algorithm enhances the performance of generative AI models</a:t>
+            </a:r>
+          </a:p>
+          <a:p>
+            <a:pPr marL="2807675" lvl="1" indent="-457200">
+              <a:buClr>
+                <a:srgbClr val="519D48"/>
+              </a:buClr>
+              <a:buFont typeface="Arial" panose="020B0604020202020204" pitchFamily="34" charset="0"/>
+              <a:buChar char="•"/>
+            </a:pPr>
+            <a:r>
+              <a:rPr lang="en-US" sz="3428" dirty="0">
+                <a:latin typeface="Lora" pitchFamily="2" charset="0"/>
+              </a:rPr>
+              <a:t>It begins with indexing of data from relevant sources/documents in a vector database</a:t>
+            </a:r>
+          </a:p>
+          <a:p>
+            <a:pPr marL="2807675" lvl="1" indent="-457200">
+              <a:buClr>
+                <a:srgbClr val="519D48"/>
+              </a:buClr>
+              <a:buFont typeface="Arial" panose="020B0604020202020204" pitchFamily="34" charset="0"/>
+              <a:buChar char="•"/>
+            </a:pPr>
+            <a:r>
+              <a:rPr lang="en-US" sz="3428" dirty="0">
+                <a:latin typeface="Lora" pitchFamily="2" charset="0"/>
+              </a:rPr>
+              <a:t>Next it retrieves the most accurate information based on a similarity search</a:t>
+            </a:r>
+          </a:p>
+          <a:p>
+            <a:pPr marL="2807675" lvl="1" indent="-457200">
+              <a:buClr>
+                <a:srgbClr val="519D48"/>
+              </a:buClr>
+              <a:buFont typeface="Arial" panose="020B0604020202020204" pitchFamily="34" charset="0"/>
+              <a:buChar char="•"/>
+            </a:pPr>
+            <a:r>
+              <a:rPr lang="en-US" sz="3428" dirty="0">
+                <a:latin typeface="Lora" pitchFamily="2" charset="0"/>
+              </a:rPr>
+              <a:t>Augmentation occurs when info is supplied to the LLM along with the user query</a:t>
+            </a:r>
+          </a:p>
+          <a:p>
+            <a:pPr marL="2807675" lvl="1" indent="-457200">
+              <a:buClr>
+                <a:srgbClr val="519D48"/>
+              </a:buClr>
+              <a:buFont typeface="Arial" panose="020B0604020202020204" pitchFamily="34" charset="0"/>
+              <a:buChar char="•"/>
+            </a:pPr>
+            <a:r>
+              <a:rPr lang="en-US" sz="3428" dirty="0">
+                <a:latin typeface="Lora" pitchFamily="2" charset="0"/>
+              </a:rPr>
+              <a:t>The generated response is created based on its knowledge and the supplied data</a:t>
+            </a:r>
+          </a:p>
+          <a:p>
+            <a:pPr algn="ctr"/>
+            <a:endParaRPr lang="en-US" sz="3428" b="1" dirty="0"/>
+          </a:p>
+          <a:p>
+            <a:pPr algn="ctr"/>
+            <a:endParaRPr lang="en-US" sz="343" dirty="0"/>
           </a:p>
         </p:txBody>
       </p:sp>
